--- a/wwr/images/WEEK9.pptx
+++ b/wwr/images/WEEK9.pptx
@@ -11,7 +11,9 @@
     <p:sldId id="259" r:id="rId5"/>
     <p:sldId id="260" r:id="rId6"/>
     <p:sldId id="261" r:id="rId7"/>
-    <p:sldId id="262" r:id="rId8"/>
+    <p:sldId id="263" r:id="rId8"/>
+    <p:sldId id="264" r:id="rId9"/>
+    <p:sldId id="262" r:id="rId10"/>
   </p:sldIdLst>
   <p:sldSz cx="12192000" cy="6858000"/>
   <p:notesSz cx="6858000" cy="9144000"/>
@@ -4013,9 +4015,38 @@
           </a:xfrm>
         </p:spPr>
         <p:txBody>
-          <a:bodyPr/>
-          <a:lstStyle/>
-          <a:p>
+          <a:bodyPr>
+            <a:normAutofit/>
+          </a:bodyPr>
+          <a:lstStyle/>
+          <a:p>
+            <a:r>
+              <a:rPr lang="en-US" dirty="0">
+                <a:effectLst/>
+                <a:latin typeface="Calibri" panose="020F0502020204030204" pitchFamily="34" charset="0"/>
+                <a:ea typeface="Calibri" panose="020F0502020204030204" pitchFamily="34" charset="0"/>
+                <a:cs typeface="Times New Roman" panose="02020603050405020304" pitchFamily="18" charset="0"/>
+              </a:rPr>
+              <a:t>“With the </a:t>
+            </a:r>
+            <a:r>
+              <a:rPr lang="en-US" dirty="0" err="1">
+                <a:effectLst/>
+                <a:latin typeface="Calibri" panose="020F0502020204030204" pitchFamily="34" charset="0"/>
+                <a:ea typeface="Calibri" panose="020F0502020204030204" pitchFamily="34" charset="0"/>
+                <a:cs typeface="Times New Roman" panose="02020603050405020304" pitchFamily="18" charset="0"/>
+              </a:rPr>
+              <a:t>schemaless</a:t>
+            </a:r>
+            <a:r>
+              <a:rPr lang="en-US" dirty="0">
+                <a:effectLst/>
+                <a:latin typeface="Calibri" panose="020F0502020204030204" pitchFamily="34" charset="0"/>
+                <a:ea typeface="Calibri" panose="020F0502020204030204" pitchFamily="34" charset="0"/>
+                <a:cs typeface="Times New Roman" panose="02020603050405020304" pitchFamily="18" charset="0"/>
+              </a:rPr>
+              <a:t> MongoDB database, there is some additional structure — the system namespace contains an explicit list of collections and indexes. Collections may be implicitly or explicitly created — indexes must be explicitly declared.” </a:t>
+            </a:r>
             <a:endParaRPr lang="en-US" b="0" i="0" dirty="0">
               <a:solidFill>
                 <a:srgbClr val="202124"/>
@@ -4023,6 +4054,41 @@
               <a:effectLst/>
               <a:latin typeface="arial" panose="020B0604020202020204" pitchFamily="34" charset="0"/>
             </a:endParaRPr>
+          </a:p>
+        </p:txBody>
+      </p:sp>
+      <p:sp>
+        <p:nvSpPr>
+          <p:cNvPr id="4" name="TextBox 3">
+            <a:extLst>
+              <a:ext uri="{FF2B5EF4-FFF2-40B4-BE49-F238E27FC236}">
+                <a16:creationId xmlns:a16="http://schemas.microsoft.com/office/drawing/2014/main" id="{47191826-853C-4FD6-9E0A-00691BA79395}"/>
+              </a:ext>
+            </a:extLst>
+          </p:cNvPr>
+          <p:cNvSpPr txBox="1"/>
+          <p:nvPr/>
+        </p:nvSpPr>
+        <p:spPr>
+          <a:xfrm>
+            <a:off x="1077482" y="2854842"/>
+            <a:ext cx="8998009" cy="923330"/>
+          </a:xfrm>
+          <a:prstGeom prst="rect">
+            <a:avLst/>
+          </a:prstGeom>
+          <a:noFill/>
+        </p:spPr>
+        <p:txBody>
+          <a:bodyPr wrap="square">
+            <a:spAutoFit/>
+          </a:bodyPr>
+          <a:lstStyle/>
+          <a:p>
+            <a:r>
+              <a:rPr lang="en-US" dirty="0"/>
+              <a:t>“MongoDB's update() and save() methods are used to update document into a collection. The update() method updates the values in the existing document while the save() method replaces the existing document with the document passed in save() method.” </a:t>
+            </a:r>
           </a:p>
         </p:txBody>
       </p:sp>
@@ -4058,6 +4124,507 @@
       </p:grpSpPr>
       <p:sp>
         <p:nvSpPr>
+          <p:cNvPr id="2" name="Title 1">
+            <a:extLst>
+              <a:ext uri="{FF2B5EF4-FFF2-40B4-BE49-F238E27FC236}">
+                <a16:creationId xmlns:a16="http://schemas.microsoft.com/office/drawing/2014/main" id="{4BEACF25-F097-4EB6-AD77-FD504C808242}"/>
+              </a:ext>
+            </a:extLst>
+          </p:cNvPr>
+          <p:cNvSpPr>
+            <a:spLocks noGrp="1"/>
+          </p:cNvSpPr>
+          <p:nvPr>
+            <p:ph type="title"/>
+          </p:nvPr>
+        </p:nvSpPr>
+        <p:spPr/>
+        <p:txBody>
+          <a:bodyPr/>
+          <a:lstStyle/>
+          <a:p>
+            <a:r>
+              <a:rPr lang="en-US" dirty="0">
+                <a:latin typeface="Arial Black" panose="020B0A04020102020204" pitchFamily="34" charset="0"/>
+              </a:rPr>
+              <a:t>Collection Updates in MongoDB</a:t>
+            </a:r>
+            <a:endParaRPr lang="en-PH" dirty="0">
+              <a:latin typeface="Arial Black" panose="020B0A04020102020204" pitchFamily="34" charset="0"/>
+            </a:endParaRPr>
+          </a:p>
+        </p:txBody>
+      </p:sp>
+      <p:sp>
+        <p:nvSpPr>
+          <p:cNvPr id="3" name="Content Placeholder 2">
+            <a:extLst>
+              <a:ext uri="{FF2B5EF4-FFF2-40B4-BE49-F238E27FC236}">
+                <a16:creationId xmlns:a16="http://schemas.microsoft.com/office/drawing/2014/main" id="{C44CB91D-EF64-48CD-98A8-81E695A5674E}"/>
+              </a:ext>
+            </a:extLst>
+          </p:cNvPr>
+          <p:cNvSpPr>
+            <a:spLocks noGrp="1"/>
+          </p:cNvSpPr>
+          <p:nvPr>
+            <p:ph idx="1"/>
+          </p:nvPr>
+        </p:nvSpPr>
+        <p:spPr/>
+        <p:txBody>
+          <a:bodyPr/>
+          <a:lstStyle/>
+          <a:p>
+            <a:pPr marL="0" indent="0">
+              <a:buNone/>
+            </a:pPr>
+            <a:r>
+              <a:rPr lang="en-US" b="1" i="1" dirty="0" err="1"/>
+              <a:t>db.collection.update</a:t>
+            </a:r>
+            <a:r>
+              <a:rPr lang="en-US" b="1" i="1" dirty="0"/>
+              <a:t>(query, update, options)</a:t>
+            </a:r>
+          </a:p>
+          <a:p>
+            <a:pPr marL="0" indent="0">
+              <a:buNone/>
+            </a:pPr>
+            <a:endParaRPr lang="en-US" i="1" dirty="0"/>
+          </a:p>
+          <a:p>
+            <a:pPr marL="0" indent="0">
+              <a:buNone/>
+            </a:pPr>
+            <a:r>
+              <a:rPr lang="en-US" dirty="0"/>
+              <a:t>A method that can modify the following:</a:t>
+            </a:r>
+          </a:p>
+          <a:p>
+            <a:pPr>
+              <a:buFontTx/>
+              <a:buChar char="-"/>
+            </a:pPr>
+            <a:r>
+              <a:rPr lang="en-US" dirty="0"/>
+              <a:t>An existing document or documents in a collection</a:t>
+            </a:r>
+          </a:p>
+          <a:p>
+            <a:pPr>
+              <a:buFontTx/>
+              <a:buChar char="-"/>
+            </a:pPr>
+            <a:r>
+              <a:rPr lang="en-US" dirty="0"/>
+              <a:t>Specific fields of an existing documents or documents or replace an existing document entirely, depending on the update parameter</a:t>
+            </a:r>
+          </a:p>
+          <a:p>
+            <a:pPr>
+              <a:buFontTx/>
+              <a:buChar char="-"/>
+            </a:pPr>
+            <a:endParaRPr lang="en-US" dirty="0"/>
+          </a:p>
+          <a:p>
+            <a:pPr marL="0" indent="0">
+              <a:buNone/>
+            </a:pPr>
+            <a:r>
+              <a:rPr lang="en-US" dirty="0"/>
+              <a:t>By default, this method updates a single document.</a:t>
+            </a:r>
+          </a:p>
+        </p:txBody>
+      </p:sp>
+    </p:spTree>
+    <p:extLst>
+      <p:ext uri="{BB962C8B-B14F-4D97-AF65-F5344CB8AC3E}">
+        <p14:creationId xmlns:p14="http://schemas.microsoft.com/office/powerpoint/2010/main" val="640353928"/>
+      </p:ext>
+    </p:extLst>
+  </p:cSld>
+  <p:clrMapOvr>
+    <a:masterClrMapping/>
+  </p:clrMapOvr>
+</p:sld>
+</file>
+
+<file path=ppt/slides/slide8.xml><?xml version="1.0" encoding="utf-8"?>
+<p:sld xmlns:a="http://schemas.openxmlformats.org/drawingml/2006/main" xmlns:r="http://schemas.openxmlformats.org/officeDocument/2006/relationships" xmlns:p="http://schemas.openxmlformats.org/presentationml/2006/main">
+  <p:cSld>
+    <p:spTree>
+      <p:nvGrpSpPr>
+        <p:cNvPr id="1" name=""/>
+        <p:cNvGrpSpPr/>
+        <p:nvPr/>
+      </p:nvGrpSpPr>
+      <p:grpSpPr>
+        <a:xfrm>
+          <a:off x="0" y="0"/>
+          <a:ext cx="0" cy="0"/>
+          <a:chOff x="0" y="0"/>
+          <a:chExt cx="0" cy="0"/>
+        </a:xfrm>
+      </p:grpSpPr>
+      <p:sp>
+        <p:nvSpPr>
+          <p:cNvPr id="2" name="Title 1">
+            <a:extLst>
+              <a:ext uri="{FF2B5EF4-FFF2-40B4-BE49-F238E27FC236}">
+                <a16:creationId xmlns:a16="http://schemas.microsoft.com/office/drawing/2014/main" id="{4BEACF25-F097-4EB6-AD77-FD504C808242}"/>
+              </a:ext>
+            </a:extLst>
+          </p:cNvPr>
+          <p:cNvSpPr>
+            <a:spLocks noGrp="1"/>
+          </p:cNvSpPr>
+          <p:nvPr>
+            <p:ph type="title"/>
+          </p:nvPr>
+        </p:nvSpPr>
+        <p:spPr/>
+        <p:txBody>
+          <a:bodyPr/>
+          <a:lstStyle/>
+          <a:p>
+            <a:r>
+              <a:rPr lang="en-US" dirty="0">
+                <a:latin typeface="Arial Black" panose="020B0A04020102020204" pitchFamily="34" charset="0"/>
+              </a:rPr>
+              <a:t>Collection Updates in MongoDB</a:t>
+            </a:r>
+            <a:endParaRPr lang="en-PH" dirty="0">
+              <a:latin typeface="Arial Black" panose="020B0A04020102020204" pitchFamily="34" charset="0"/>
+            </a:endParaRPr>
+          </a:p>
+        </p:txBody>
+      </p:sp>
+      <p:sp>
+        <p:nvSpPr>
+          <p:cNvPr id="3" name="Content Placeholder 2">
+            <a:extLst>
+              <a:ext uri="{FF2B5EF4-FFF2-40B4-BE49-F238E27FC236}">
+                <a16:creationId xmlns:a16="http://schemas.microsoft.com/office/drawing/2014/main" id="{C44CB91D-EF64-48CD-98A8-81E695A5674E}"/>
+              </a:ext>
+            </a:extLst>
+          </p:cNvPr>
+          <p:cNvSpPr>
+            <a:spLocks noGrp="1"/>
+          </p:cNvSpPr>
+          <p:nvPr>
+            <p:ph sz="half" idx="1"/>
+          </p:nvPr>
+        </p:nvSpPr>
+        <p:spPr/>
+        <p:txBody>
+          <a:bodyPr>
+            <a:normAutofit lnSpcReduction="10000"/>
+          </a:bodyPr>
+          <a:lstStyle/>
+          <a:p>
+            <a:pPr marL="0" indent="0">
+              <a:buNone/>
+            </a:pPr>
+            <a:r>
+              <a:rPr lang="en-US" sz="1600" b="1" i="1" dirty="0" err="1"/>
+              <a:t>db.collection.update</a:t>
+            </a:r>
+            <a:r>
+              <a:rPr lang="en-US" sz="1600" b="1" i="1" dirty="0"/>
+              <a:t>(</a:t>
+            </a:r>
+          </a:p>
+          <a:p>
+            <a:pPr marL="0" indent="0">
+              <a:buNone/>
+            </a:pPr>
+            <a:r>
+              <a:rPr lang="en-US" sz="1600" b="1" i="1" dirty="0"/>
+              <a:t>   &lt;query&gt;,</a:t>
+            </a:r>
+          </a:p>
+          <a:p>
+            <a:pPr marL="0" indent="0">
+              <a:buNone/>
+            </a:pPr>
+            <a:r>
+              <a:rPr lang="en-US" sz="1600" b="1" i="1" dirty="0"/>
+              <a:t>   &lt;update&gt;,</a:t>
+            </a:r>
+          </a:p>
+          <a:p>
+            <a:pPr marL="0" indent="0">
+              <a:buNone/>
+            </a:pPr>
+            <a:r>
+              <a:rPr lang="en-US" sz="1600" b="1" i="1" dirty="0"/>
+              <a:t>   {</a:t>
+            </a:r>
+          </a:p>
+          <a:p>
+            <a:pPr marL="0" indent="0">
+              <a:buNone/>
+            </a:pPr>
+            <a:r>
+              <a:rPr lang="en-US" sz="1600" b="1" i="1" dirty="0"/>
+              <a:t>     </a:t>
+            </a:r>
+            <a:r>
+              <a:rPr lang="en-US" sz="1600" b="1" i="1" dirty="0" err="1"/>
+              <a:t>upsert</a:t>
+            </a:r>
+            <a:r>
+              <a:rPr lang="en-US" sz="1600" b="1" i="1" dirty="0"/>
+              <a:t>: &lt;</a:t>
+            </a:r>
+            <a:r>
+              <a:rPr lang="en-US" sz="1600" b="1" i="1" dirty="0" err="1"/>
+              <a:t>boolean</a:t>
+            </a:r>
+            <a:r>
+              <a:rPr lang="en-US" sz="1600" b="1" i="1" dirty="0"/>
+              <a:t>&gt;,</a:t>
+            </a:r>
+          </a:p>
+          <a:p>
+            <a:pPr marL="0" indent="0">
+              <a:buNone/>
+            </a:pPr>
+            <a:r>
+              <a:rPr lang="en-US" sz="1600" b="1" i="1" dirty="0"/>
+              <a:t>     multi: &lt;</a:t>
+            </a:r>
+            <a:r>
+              <a:rPr lang="en-US" sz="1600" b="1" i="1" dirty="0" err="1"/>
+              <a:t>boolean</a:t>
+            </a:r>
+            <a:r>
+              <a:rPr lang="en-US" sz="1600" b="1" i="1" dirty="0"/>
+              <a:t>&gt;,</a:t>
+            </a:r>
+          </a:p>
+          <a:p>
+            <a:pPr marL="0" indent="0">
+              <a:buNone/>
+            </a:pPr>
+            <a:r>
+              <a:rPr lang="en-US" sz="1600" b="1" i="1" dirty="0"/>
+              <a:t>     </a:t>
+            </a:r>
+            <a:r>
+              <a:rPr lang="en-US" sz="1600" b="1" i="1" dirty="0" err="1"/>
+              <a:t>writeConcern</a:t>
+            </a:r>
+            <a:r>
+              <a:rPr lang="en-US" sz="1600" b="1" i="1" dirty="0"/>
+              <a:t>: &lt;document&gt;,</a:t>
+            </a:r>
+          </a:p>
+          <a:p>
+            <a:pPr marL="0" indent="0">
+              <a:buNone/>
+            </a:pPr>
+            <a:r>
+              <a:rPr lang="en-US" sz="1600" b="1" i="1" dirty="0"/>
+              <a:t>     collation: &lt;document&gt;,</a:t>
+            </a:r>
+          </a:p>
+          <a:p>
+            <a:pPr marL="0" indent="0">
+              <a:buNone/>
+            </a:pPr>
+            <a:r>
+              <a:rPr lang="en-US" sz="1600" b="1" i="1" dirty="0"/>
+              <a:t>     </a:t>
+            </a:r>
+            <a:r>
+              <a:rPr lang="en-US" sz="1600" b="1" i="1" dirty="0" err="1"/>
+              <a:t>arrayFilters</a:t>
+            </a:r>
+            <a:r>
+              <a:rPr lang="en-US" sz="1600" b="1" i="1" dirty="0"/>
+              <a:t>: [ &lt;filterdocument1&gt;, ... ],</a:t>
+            </a:r>
+          </a:p>
+          <a:p>
+            <a:pPr marL="0" indent="0">
+              <a:buNone/>
+            </a:pPr>
+            <a:r>
+              <a:rPr lang="en-US" sz="1600" b="1" i="1" dirty="0"/>
+              <a:t>     hint:  &lt;</a:t>
+            </a:r>
+            <a:r>
+              <a:rPr lang="en-US" sz="1600" b="1" i="1" dirty="0" err="1"/>
+              <a:t>document|string</a:t>
+            </a:r>
+            <a:r>
+              <a:rPr lang="en-US" sz="1600" b="1" i="1" dirty="0"/>
+              <a:t>&gt;, // Added in MongoDB 4.2</a:t>
+            </a:r>
+          </a:p>
+          <a:p>
+            <a:pPr marL="0" indent="0">
+              <a:buNone/>
+            </a:pPr>
+            <a:r>
+              <a:rPr lang="en-US" sz="1600" b="1" i="1" dirty="0"/>
+              <a:t>     let: &lt;document&gt; // Added in MongoDB 5.0</a:t>
+            </a:r>
+          </a:p>
+          <a:p>
+            <a:pPr marL="0" indent="0">
+              <a:buNone/>
+            </a:pPr>
+            <a:r>
+              <a:rPr lang="en-US" sz="1600" b="1" i="1" dirty="0"/>
+              <a:t>   }</a:t>
+            </a:r>
+          </a:p>
+          <a:p>
+            <a:pPr marL="0" indent="0">
+              <a:buNone/>
+            </a:pPr>
+            <a:r>
+              <a:rPr lang="en-US" sz="1600" b="1" i="1" dirty="0"/>
+              <a:t>)</a:t>
+            </a:r>
+          </a:p>
+        </p:txBody>
+      </p:sp>
+      <p:sp>
+        <p:nvSpPr>
+          <p:cNvPr id="4" name="Content Placeholder 3">
+            <a:extLst>
+              <a:ext uri="{FF2B5EF4-FFF2-40B4-BE49-F238E27FC236}">
+                <a16:creationId xmlns:a16="http://schemas.microsoft.com/office/drawing/2014/main" id="{FEA8D7C7-D05E-4ABB-B7F3-5AFD54E71550}"/>
+              </a:ext>
+            </a:extLst>
+          </p:cNvPr>
+          <p:cNvSpPr>
+            <a:spLocks noGrp="1"/>
+          </p:cNvSpPr>
+          <p:nvPr>
+            <p:ph sz="half" idx="2"/>
+          </p:nvPr>
+        </p:nvSpPr>
+        <p:spPr/>
+        <p:txBody>
+          <a:bodyPr>
+            <a:normAutofit lnSpcReduction="10000"/>
+          </a:bodyPr>
+          <a:lstStyle/>
+          <a:p>
+            <a:pPr marL="0" indent="0">
+              <a:buNone/>
+            </a:pPr>
+            <a:r>
+              <a:rPr lang="en-US" dirty="0"/>
+              <a:t>There are nine parameters you can pass in: </a:t>
+            </a:r>
+            <a:r>
+              <a:rPr lang="en-US" i="1" dirty="0"/>
+              <a:t>query, update, </a:t>
+            </a:r>
+            <a:r>
+              <a:rPr lang="en-US" i="1" dirty="0" err="1"/>
+              <a:t>upsert</a:t>
+            </a:r>
+            <a:r>
+              <a:rPr lang="en-US" i="1" dirty="0"/>
+              <a:t>, multi, </a:t>
+            </a:r>
+            <a:r>
+              <a:rPr lang="en-US" i="1" dirty="0" err="1"/>
+              <a:t>writeConcern</a:t>
+            </a:r>
+            <a:r>
+              <a:rPr lang="en-US" i="1" dirty="0"/>
+              <a:t>, collation, </a:t>
+            </a:r>
+            <a:r>
+              <a:rPr lang="en-US" i="1" dirty="0" err="1"/>
+              <a:t>arrayFilters</a:t>
+            </a:r>
+            <a:r>
+              <a:rPr lang="en-US" i="1" dirty="0"/>
+              <a:t>, hint </a:t>
+            </a:r>
+            <a:r>
+              <a:rPr lang="en-US" dirty="0"/>
+              <a:t>and </a:t>
+            </a:r>
+            <a:r>
+              <a:rPr lang="en-US" i="1" dirty="0"/>
+              <a:t>let</a:t>
+            </a:r>
+            <a:r>
+              <a:rPr lang="en-US" dirty="0"/>
+              <a:t>.</a:t>
+            </a:r>
+          </a:p>
+          <a:p>
+            <a:pPr marL="0" indent="0">
+              <a:buNone/>
+            </a:pPr>
+            <a:endParaRPr lang="en-US" dirty="0"/>
+          </a:p>
+          <a:p>
+            <a:pPr marL="0" indent="0">
+              <a:buNone/>
+            </a:pPr>
+            <a:r>
+              <a:rPr lang="en-US" dirty="0"/>
+              <a:t>It returns a </a:t>
+            </a:r>
+            <a:r>
+              <a:rPr lang="en-US" i="1" dirty="0" err="1"/>
+              <a:t>WriteResult</a:t>
+            </a:r>
+            <a:r>
+              <a:rPr lang="en-US" dirty="0"/>
+              <a:t> document that contains the status of the operation.</a:t>
+            </a:r>
+          </a:p>
+        </p:txBody>
+      </p:sp>
+    </p:spTree>
+    <p:extLst>
+      <p:ext uri="{BB962C8B-B14F-4D97-AF65-F5344CB8AC3E}">
+        <p14:creationId xmlns:p14="http://schemas.microsoft.com/office/powerpoint/2010/main" val="346537808"/>
+      </p:ext>
+    </p:extLst>
+  </p:cSld>
+  <p:clrMapOvr>
+    <a:masterClrMapping/>
+  </p:clrMapOvr>
+</p:sld>
+</file>
+
+<file path=ppt/slides/slide9.xml><?xml version="1.0" encoding="utf-8"?>
+<p:sld xmlns:a="http://schemas.openxmlformats.org/drawingml/2006/main" xmlns:r="http://schemas.openxmlformats.org/officeDocument/2006/relationships" xmlns:p="http://schemas.openxmlformats.org/presentationml/2006/main">
+  <p:cSld>
+    <p:spTree>
+      <p:nvGrpSpPr>
+        <p:cNvPr id="1" name=""/>
+        <p:cNvGrpSpPr/>
+        <p:nvPr/>
+      </p:nvGrpSpPr>
+      <p:grpSpPr>
+        <a:xfrm>
+          <a:off x="0" y="0"/>
+          <a:ext cx="0" cy="0"/>
+          <a:chOff x="0" y="0"/>
+          <a:chExt cx="0" cy="0"/>
+        </a:xfrm>
+      </p:grpSpPr>
+      <p:sp>
+        <p:nvSpPr>
           <p:cNvPr id="3" name="Content Placeholder 2">
             <a:extLst>
               <a:ext uri="{FF2B5EF4-FFF2-40B4-BE49-F238E27FC236}">
@@ -4091,6 +4658,114 @@
                 <a:latin typeface="arial" panose="020B0604020202020204" pitchFamily="34" charset="0"/>
               </a:rPr>
               <a:t>https://www.empiredatasystems.com/data-warehouse-concept.html</a:t>
+            </a:r>
+          </a:p>
+        </p:txBody>
+      </p:sp>
+      <p:sp>
+        <p:nvSpPr>
+          <p:cNvPr id="4" name="TextBox 3">
+            <a:extLst>
+              <a:ext uri="{FF2B5EF4-FFF2-40B4-BE49-F238E27FC236}">
+                <a16:creationId xmlns:a16="http://schemas.microsoft.com/office/drawing/2014/main" id="{04941066-F51D-41B0-B27E-09668ADD6D50}"/>
+              </a:ext>
+            </a:extLst>
+          </p:cNvPr>
+          <p:cNvSpPr txBox="1"/>
+          <p:nvPr/>
+        </p:nvSpPr>
+        <p:spPr>
+          <a:xfrm>
+            <a:off x="1048996" y="2314978"/>
+            <a:ext cx="6097424" cy="369332"/>
+          </a:xfrm>
+          <a:prstGeom prst="rect">
+            <a:avLst/>
+          </a:prstGeom>
+          <a:noFill/>
+        </p:spPr>
+        <p:txBody>
+          <a:bodyPr wrap="square">
+            <a:spAutoFit/>
+          </a:bodyPr>
+          <a:lstStyle/>
+          <a:p>
+            <a:r>
+              <a:rPr lang="en-US" dirty="0"/>
+              <a:t>https://www.mongodb.com/unstructured-data/schemaless</a:t>
+            </a:r>
+          </a:p>
+        </p:txBody>
+      </p:sp>
+      <p:sp>
+        <p:nvSpPr>
+          <p:cNvPr id="6" name="TextBox 5">
+            <a:extLst>
+              <a:ext uri="{FF2B5EF4-FFF2-40B4-BE49-F238E27FC236}">
+                <a16:creationId xmlns:a16="http://schemas.microsoft.com/office/drawing/2014/main" id="{7177BD70-016D-4A57-B8BB-C89B766A2C40}"/>
+              </a:ext>
+            </a:extLst>
+          </p:cNvPr>
+          <p:cNvSpPr txBox="1"/>
+          <p:nvPr/>
+        </p:nvSpPr>
+        <p:spPr>
+          <a:xfrm>
+            <a:off x="1117363" y="3045641"/>
+            <a:ext cx="6097424" cy="923330"/>
+          </a:xfrm>
+          <a:prstGeom prst="rect">
+            <a:avLst/>
+          </a:prstGeom>
+          <a:noFill/>
+        </p:spPr>
+        <p:txBody>
+          <a:bodyPr wrap="square">
+            <a:spAutoFit/>
+          </a:bodyPr>
+          <a:lstStyle/>
+          <a:p>
+            <a:r>
+              <a:rPr lang="en-US" dirty="0"/>
+              <a:t>https://www.tutorialspoint.com/mongodb/mongodb_update_document.htm#:~:text=MongoDB's%20update()%20and%20save,passed%20in%20save()%20method.</a:t>
+            </a:r>
+          </a:p>
+        </p:txBody>
+      </p:sp>
+      <p:sp>
+        <p:nvSpPr>
+          <p:cNvPr id="8" name="TextBox 7">
+            <a:extLst>
+              <a:ext uri="{FF2B5EF4-FFF2-40B4-BE49-F238E27FC236}">
+                <a16:creationId xmlns:a16="http://schemas.microsoft.com/office/drawing/2014/main" id="{C5D6828F-5C6E-4A70-AA4E-3127ECAE83C6}"/>
+              </a:ext>
+            </a:extLst>
+          </p:cNvPr>
+          <p:cNvSpPr txBox="1"/>
+          <p:nvPr/>
+        </p:nvSpPr>
+        <p:spPr>
+          <a:xfrm>
+            <a:off x="1117363" y="4280831"/>
+            <a:ext cx="6097424" cy="646331"/>
+          </a:xfrm>
+          <a:prstGeom prst="rect">
+            <a:avLst/>
+          </a:prstGeom>
+          <a:noFill/>
+        </p:spPr>
+        <p:txBody>
+          <a:bodyPr wrap="square">
+            <a:spAutoFit/>
+          </a:bodyPr>
+          <a:lstStyle/>
+          <a:p>
+            <a:pPr marL="0" indent="0">
+              <a:buNone/>
+            </a:pPr>
+            <a:r>
+              <a:rPr lang="en-US" dirty="0"/>
+              <a:t>https://docs.mongodb.com/manual/reference/method/db.collection.update/#access-control</a:t>
             </a:r>
           </a:p>
         </p:txBody>
